--- a/group_project_1.pptx
+++ b/group_project_1.pptx
@@ -2113,7 +2113,7 @@
           <a:p>
             <a:fld id="{E676490B-C5AA-A24A-A927-24D052E674B2}" type="datetimeFigureOut">
               <a:rPr lang="en-US" smtClean="0"/>
-              <a:t>5/7/21</a:t>
+              <a:t>5/8/21</a:t>
             </a:fld>
             <a:endParaRPr lang="en-US"/>
           </a:p>
@@ -3572,7 +3572,7 @@
           <a:p>
             <a:fld id="{E676490B-C5AA-A24A-A927-24D052E674B2}" type="datetimeFigureOut">
               <a:rPr lang="en-US" smtClean="0"/>
-              <a:t>5/7/21</a:t>
+              <a:t>5/8/21</a:t>
             </a:fld>
             <a:endParaRPr lang="en-US"/>
           </a:p>
@@ -5025,7 +5025,7 @@
           <a:p>
             <a:fld id="{E676490B-C5AA-A24A-A927-24D052E674B2}" type="datetimeFigureOut">
               <a:rPr lang="en-US" smtClean="0"/>
-              <a:t>5/7/21</a:t>
+              <a:t>5/8/21</a:t>
             </a:fld>
             <a:endParaRPr lang="en-US"/>
           </a:p>
@@ -6480,7 +6480,7 @@
           <a:p>
             <a:fld id="{E676490B-C5AA-A24A-A927-24D052E674B2}" type="datetimeFigureOut">
               <a:rPr lang="en-US" smtClean="0"/>
-              <a:t>5/7/21</a:t>
+              <a:t>5/8/21</a:t>
             </a:fld>
             <a:endParaRPr lang="en-US"/>
           </a:p>
@@ -7988,7 +7988,7 @@
           <a:p>
             <a:fld id="{E676490B-C5AA-A24A-A927-24D052E674B2}" type="datetimeFigureOut">
               <a:rPr lang="en-US" smtClean="0"/>
-              <a:t>5/7/21</a:t>
+              <a:t>5/8/21</a:t>
             </a:fld>
             <a:endParaRPr lang="en-US"/>
           </a:p>
@@ -9509,7 +9509,7 @@
           <a:p>
             <a:fld id="{E676490B-C5AA-A24A-A927-24D052E674B2}" type="datetimeFigureOut">
               <a:rPr lang="en-US" smtClean="0"/>
-              <a:t>5/7/21</a:t>
+              <a:t>5/8/21</a:t>
             </a:fld>
             <a:endParaRPr lang="en-US"/>
           </a:p>
@@ -11174,7 +11174,7 @@
           <a:p>
             <a:fld id="{E676490B-C5AA-A24A-A927-24D052E674B2}" type="datetimeFigureOut">
               <a:rPr lang="en-US" smtClean="0"/>
-              <a:t>5/7/21</a:t>
+              <a:t>5/8/21</a:t>
             </a:fld>
             <a:endParaRPr lang="en-US"/>
           </a:p>
@@ -12572,7 +12572,7 @@
           <a:p>
             <a:fld id="{E676490B-C5AA-A24A-A927-24D052E674B2}" type="datetimeFigureOut">
               <a:rPr lang="en-US" smtClean="0"/>
-              <a:t>5/7/21</a:t>
+              <a:t>5/8/21</a:t>
             </a:fld>
             <a:endParaRPr lang="en-US"/>
           </a:p>
@@ -12672,7 +12672,7 @@
           <a:p>
             <a:fld id="{E676490B-C5AA-A24A-A927-24D052E674B2}" type="datetimeFigureOut">
               <a:rPr lang="en-US" smtClean="0"/>
-              <a:t>5/7/21</a:t>
+              <a:t>5/8/21</a:t>
             </a:fld>
             <a:endParaRPr lang="en-US"/>
           </a:p>
@@ -14198,7 +14198,7 @@
           <a:p>
             <a:fld id="{E676490B-C5AA-A24A-A927-24D052E674B2}" type="datetimeFigureOut">
               <a:rPr lang="en-US" smtClean="0"/>
-              <a:t>5/7/21</a:t>
+              <a:t>5/8/21</a:t>
             </a:fld>
             <a:endParaRPr lang="en-US"/>
           </a:p>
@@ -15734,7 +15734,7 @@
           <a:p>
             <a:fld id="{E676490B-C5AA-A24A-A927-24D052E674B2}" type="datetimeFigureOut">
               <a:rPr lang="en-US" smtClean="0"/>
-              <a:t>5/7/21</a:t>
+              <a:t>5/8/21</a:t>
             </a:fld>
             <a:endParaRPr lang="en-US"/>
           </a:p>
@@ -15957,7 +15957,7 @@
           <a:p>
             <a:fld id="{E676490B-C5AA-A24A-A927-24D052E674B2}" type="datetimeFigureOut">
               <a:rPr lang="en-US" smtClean="0"/>
-              <a:t>5/7/21</a:t>
+              <a:t>5/8/21</a:t>
             </a:fld>
             <a:endParaRPr lang="en-US"/>
           </a:p>
@@ -22204,6 +22204,36 @@
           </a:prstGeom>
         </p:spPr>
       </p:pic>
+      <p:pic>
+        <p:nvPicPr>
+          <p:cNvPr id="6" name="Picture 5" descr="Chart&#10;&#10;Description automatically generated">
+            <a:extLst>
+              <a:ext uri="{FF2B5EF4-FFF2-40B4-BE49-F238E27FC236}">
+                <a16:creationId xmlns:a16="http://schemas.microsoft.com/office/drawing/2014/main" id="{9DBFF6CF-C76A-4940-92D1-1904E0BFC532}"/>
+              </a:ext>
+            </a:extLst>
+          </p:cNvPr>
+          <p:cNvPicPr>
+            <a:picLocks noChangeAspect="1"/>
+          </p:cNvPicPr>
+          <p:nvPr/>
+        </p:nvPicPr>
+        <p:blipFill>
+          <a:blip r:embed="rId4"/>
+          <a:stretch>
+            <a:fillRect/>
+          </a:stretch>
+        </p:blipFill>
+        <p:spPr>
+          <a:xfrm>
+            <a:off x="1941968" y="5109719"/>
+            <a:ext cx="8707002" cy="1664248"/>
+          </a:xfrm>
+          <a:prstGeom prst="rect">
+            <a:avLst/>
+          </a:prstGeom>
+        </p:spPr>
+      </p:pic>
     </p:spTree>
     <p:extLst>
       <p:ext uri="{BB962C8B-B14F-4D97-AF65-F5344CB8AC3E}">
@@ -22214,6 +22244,81 @@
   <p:clrMapOvr>
     <a:masterClrMapping/>
   </p:clrMapOvr>
+  <p:timing>
+    <p:tnLst>
+      <p:par>
+        <p:cTn id="1" dur="indefinite" restart="never" nodeType="tmRoot">
+          <p:childTnLst>
+            <p:seq concurrent="1" nextAc="seek">
+              <p:cTn id="2" dur="indefinite" nodeType="mainSeq">
+                <p:childTnLst>
+                  <p:par>
+                    <p:cTn id="3" fill="hold">
+                      <p:stCondLst>
+                        <p:cond delay="indefinite"/>
+                      </p:stCondLst>
+                      <p:childTnLst>
+                        <p:par>
+                          <p:cTn id="4" fill="hold">
+                            <p:stCondLst>
+                              <p:cond delay="0"/>
+                            </p:stCondLst>
+                            <p:childTnLst>
+                              <p:par>
+                                <p:cTn id="5" presetID="1" presetClass="entr" presetSubtype="0" fill="hold" nodeType="clickEffect">
+                                  <p:stCondLst>
+                                    <p:cond delay="0"/>
+                                  </p:stCondLst>
+                                  <p:childTnLst>
+                                    <p:set>
+                                      <p:cBhvr>
+                                        <p:cTn id="6" dur="1" fill="hold">
+                                          <p:stCondLst>
+                                            <p:cond delay="0"/>
+                                          </p:stCondLst>
+                                        </p:cTn>
+                                        <p:tgtEl>
+                                          <p:spTgt spid="6"/>
+                                        </p:tgtEl>
+                                        <p:attrNameLst>
+                                          <p:attrName>style.visibility</p:attrName>
+                                        </p:attrNameLst>
+                                      </p:cBhvr>
+                                      <p:to>
+                                        <p:strVal val="visible"/>
+                                      </p:to>
+                                    </p:set>
+                                  </p:childTnLst>
+                                </p:cTn>
+                              </p:par>
+                            </p:childTnLst>
+                          </p:cTn>
+                        </p:par>
+                      </p:childTnLst>
+                    </p:cTn>
+                  </p:par>
+                </p:childTnLst>
+              </p:cTn>
+              <p:prevCondLst>
+                <p:cond evt="onPrev" delay="0">
+                  <p:tgtEl>
+                    <p:sldTgt/>
+                  </p:tgtEl>
+                </p:cond>
+              </p:prevCondLst>
+              <p:nextCondLst>
+                <p:cond evt="onNext" delay="0">
+                  <p:tgtEl>
+                    <p:sldTgt/>
+                  </p:tgtEl>
+                </p:cond>
+              </p:nextCondLst>
+            </p:seq>
+          </p:childTnLst>
+        </p:cTn>
+      </p:par>
+    </p:tnLst>
+  </p:timing>
 </p:sld>
 </file>
 

--- a/group_project_1.pptx
+++ b/group_project_1.pptx
@@ -659,12 +659,28 @@
             </a:pPr>
             <a:r>
               <a:rPr lang="en-US" dirty="0"/>
-              <a:t>The data keeps shows/movies that were added but does not remove them when Netflix does… would </a:t>
+              <a:t>The data keeps shows/movies that were added but does not remove them when Netflix does… would numbers change?</a:t>
             </a:r>
+          </a:p>
+          <a:p>
+            <a:pPr marL="171450" indent="-171450">
+              <a:buFontTx/>
+              <a:buChar char="-"/>
+            </a:pPr>
             <a:r>
-              <a:rPr lang="en-US"/>
-              <a:t>numbers change?</a:t>
+              <a:rPr lang="en-US" sz="1200" b="0" i="0" u="none" strike="noStrike" kern="1200" dirty="0">
+                <a:solidFill>
+                  <a:schemeClr val="tx1"/>
+                </a:solidFill>
+                <a:effectLst/>
+                <a:latin typeface="+mn-lt"/>
+                <a:ea typeface="+mn-ea"/>
+                <a:cs typeface="+mn-cs"/>
+                <a:hlinkClick r:id="rId3"/>
+              </a:rPr>
+              <a:t>https://www.kaggle.com/shivamb/netflix-shows</a:t>
             </a:r>
+            <a:endParaRPr lang="en-US" dirty="0"/>
           </a:p>
         </p:txBody>
       </p:sp>
@@ -22100,42 +22116,54 @@
         </p:spPr>
         <p:txBody>
           <a:bodyPr anchor="t">
-            <a:normAutofit/>
+            <a:normAutofit fontScale="85000" lnSpcReduction="20000"/>
           </a:bodyPr>
           <a:lstStyle/>
           <a:p>
+            <a:pPr marL="0" indent="0">
+              <a:buNone/>
+            </a:pPr>
+            <a:endParaRPr lang="en-US" dirty="0"/>
+          </a:p>
+          <a:p>
             <a:r>
-              <a:rPr lang="en-US" sz="1600" dirty="0"/>
-              <a:t>The top 15 genres seem to be the same</a:t>
+              <a:rPr lang="en-US" dirty="0"/>
+              <a:t>We began the Netflix dataset with a Total of 89 Contributing Countries</a:t>
             </a:r>
           </a:p>
           <a:p>
             <a:r>
-              <a:rPr lang="en-US" sz="1600" dirty="0"/>
+              <a:rPr lang="en-US" dirty="0"/>
+              <a:t>Top 4 countries are USA, India, United Kingdom, and Canada</a:t>
+            </a:r>
+          </a:p>
+          <a:p>
+            <a:r>
+              <a:rPr lang="en-US" dirty="0"/>
+              <a:t>The top 15 genres seem to be repeated between Movies &amp; TV shows</a:t>
+            </a:r>
+          </a:p>
+          <a:p>
+            <a:r>
+              <a:rPr lang="en-US" dirty="0"/>
               <a:t>Once we separate TV Shows and Movies we see more differences</a:t>
             </a:r>
           </a:p>
           <a:p>
             <a:r>
-              <a:rPr lang="en-US" sz="1600" dirty="0"/>
-              <a:t>TV Shows show more international flavor</a:t>
+              <a:rPr lang="en-US" dirty="0"/>
+              <a:t>TV Shows show more international flavor adding variety</a:t>
             </a:r>
           </a:p>
           <a:p>
             <a:r>
-              <a:rPr lang="en-US" sz="1600" dirty="0"/>
-              <a:t>Top country contributors are USA, India, United Kingdom, and Canada</a:t>
-            </a:r>
-          </a:p>
-          <a:p>
-            <a:r>
-              <a:rPr lang="en-US" sz="1600" dirty="0"/>
+              <a:rPr lang="en-US" dirty="0"/>
               <a:t>Movies are dominated by Dramas, Comedies, and Documentaries</a:t>
             </a:r>
           </a:p>
           <a:p>
             <a:r>
-              <a:rPr lang="en-US" sz="1600" dirty="0"/>
+              <a:rPr lang="en-US" dirty="0"/>
               <a:t>TV Shows top genres are International Shows, Crime Shows, and Kids’ TV</a:t>
             </a:r>
           </a:p>
